--- a/ppt/03-24.pptx
+++ b/ppt/03-24.pptx
@@ -6,6 +6,10 @@
   </p:sldMasterIdLst>
   <p:sldIdLst>
     <p:sldId id="257" r:id="rId2"/>
+    <p:sldId id="258" r:id="rId3"/>
+    <p:sldId id="259" r:id="rId4"/>
+    <p:sldId id="260" r:id="rId5"/>
+    <p:sldId id="261" r:id="rId6"/>
   </p:sldIdLst>
   <p:sldSz cx="12192000" cy="6858000"/>
   <p:notesSz cx="6858000" cy="9144000"/>
@@ -3132,6 +3136,1060 @@
 </p:sld>
 </file>
 
+<file path=ppt/slides/slide2.xml><?xml version="1.0" encoding="utf-8"?>
+<p:sld xmlns:a="http://schemas.openxmlformats.org/drawingml/2006/main" xmlns:r="http://schemas.openxmlformats.org/officeDocument/2006/relationships" xmlns:p="http://schemas.openxmlformats.org/presentationml/2006/main">
+  <p:cSld>
+    <p:spTree>
+      <p:nvGrpSpPr>
+        <p:cNvPr id="1" name=""/>
+        <p:cNvGrpSpPr/>
+        <p:nvPr/>
+      </p:nvGrpSpPr>
+      <p:grpSpPr>
+        <a:xfrm>
+          <a:off x="0" y="0"/>
+          <a:ext cx="0" cy="0"/>
+          <a:chOff x="0" y="0"/>
+          <a:chExt cx="0" cy="0"/>
+        </a:xfrm>
+      </p:grpSpPr>
+      <p:sp>
+        <p:nvSpPr>
+          <p:cNvPr id="9" name="TextBox 8"/>
+          <p:cNvSpPr txBox="1"/>
+          <p:nvPr/>
+        </p:nvSpPr>
+        <p:spPr>
+          <a:xfrm>
+            <a:off x="412230" y="254832"/>
+            <a:ext cx="1872629" cy="369332"/>
+          </a:xfrm>
+          <a:prstGeom prst="rect">
+            <a:avLst/>
+          </a:prstGeom>
+          <a:noFill/>
+        </p:spPr>
+        <p:txBody>
+          <a:bodyPr wrap="none" rtlCol="0">
+            <a:spAutoFit/>
+          </a:bodyPr>
+          <a:lstStyle/>
+          <a:p>
+            <a:r>
+              <a:rPr lang="en-US" altLang="ko-KR" dirty="0"/>
+              <a:t>UI-SJN-08-001P</a:t>
+            </a:r>
+            <a:endParaRPr lang="ko-KR" altLang="en-US" dirty="0"/>
+          </a:p>
+        </p:txBody>
+      </p:sp>
+      <p:pic>
+        <p:nvPicPr>
+          <p:cNvPr id="2" name="그림 1"/>
+          <p:cNvPicPr>
+            <a:picLocks noChangeAspect="1"/>
+          </p:cNvPicPr>
+          <p:nvPr/>
+        </p:nvPicPr>
+        <p:blipFill>
+          <a:blip r:embed="rId2"/>
+          <a:stretch>
+            <a:fillRect/>
+          </a:stretch>
+        </p:blipFill>
+        <p:spPr>
+          <a:xfrm>
+            <a:off x="594354" y="1293764"/>
+            <a:ext cx="3658111" cy="3296110"/>
+          </a:xfrm>
+          <a:prstGeom prst="rect">
+            <a:avLst/>
+          </a:prstGeom>
+        </p:spPr>
+      </p:pic>
+      <p:pic>
+        <p:nvPicPr>
+          <p:cNvPr id="3" name="그림 2"/>
+          <p:cNvPicPr>
+            <a:picLocks noChangeAspect="1"/>
+          </p:cNvPicPr>
+          <p:nvPr/>
+        </p:nvPicPr>
+        <p:blipFill>
+          <a:blip r:embed="rId3"/>
+          <a:stretch>
+            <a:fillRect/>
+          </a:stretch>
+        </p:blipFill>
+        <p:spPr>
+          <a:xfrm>
+            <a:off x="5056660" y="4702301"/>
+            <a:ext cx="3743847" cy="847843"/>
+          </a:xfrm>
+          <a:prstGeom prst="rect">
+            <a:avLst/>
+          </a:prstGeom>
+        </p:spPr>
+      </p:pic>
+      <p:pic>
+        <p:nvPicPr>
+          <p:cNvPr id="5" name="그림 4"/>
+          <p:cNvPicPr>
+            <a:picLocks noChangeAspect="1"/>
+          </p:cNvPicPr>
+          <p:nvPr/>
+        </p:nvPicPr>
+        <p:blipFill>
+          <a:blip r:embed="rId4"/>
+          <a:stretch>
+            <a:fillRect/>
+          </a:stretch>
+        </p:blipFill>
+        <p:spPr>
+          <a:xfrm>
+            <a:off x="5056660" y="1293764"/>
+            <a:ext cx="3667637" cy="3134162"/>
+          </a:xfrm>
+          <a:prstGeom prst="rect">
+            <a:avLst/>
+          </a:prstGeom>
+        </p:spPr>
+      </p:pic>
+      <p:sp>
+        <p:nvSpPr>
+          <p:cNvPr id="11" name="TextBox 10"/>
+          <p:cNvSpPr txBox="1"/>
+          <p:nvPr/>
+        </p:nvSpPr>
+        <p:spPr>
+          <a:xfrm>
+            <a:off x="5169416" y="5670630"/>
+            <a:ext cx="3719288" cy="307777"/>
+          </a:xfrm>
+          <a:prstGeom prst="rect">
+            <a:avLst/>
+          </a:prstGeom>
+          <a:noFill/>
+        </p:spPr>
+        <p:txBody>
+          <a:bodyPr wrap="none" rtlCol="0">
+            <a:spAutoFit/>
+          </a:bodyPr>
+          <a:lstStyle/>
+          <a:p>
+            <a:r>
+              <a:rPr lang="en-US" altLang="ko-KR" sz="1400" dirty="0" smtClean="0"/>
+              <a:t>CSS </a:t>
+            </a:r>
+            <a:r>
+              <a:rPr lang="ko-KR" altLang="en-US" sz="1400" dirty="0" smtClean="0"/>
+              <a:t>수정없이 태그 위치만 바꿔주면 되네요</a:t>
+            </a:r>
+            <a:r>
+              <a:rPr lang="en-US" altLang="ko-KR" sz="1400" dirty="0" smtClean="0"/>
+              <a:t>.</a:t>
+            </a:r>
+            <a:endParaRPr lang="ko-KR" altLang="en-US" sz="1400" dirty="0"/>
+          </a:p>
+        </p:txBody>
+      </p:sp>
+      <p:sp>
+        <p:nvSpPr>
+          <p:cNvPr id="12" name="TextBox 11"/>
+          <p:cNvSpPr txBox="1"/>
+          <p:nvPr/>
+        </p:nvSpPr>
+        <p:spPr>
+          <a:xfrm>
+            <a:off x="9528492" y="1460892"/>
+            <a:ext cx="965329" cy="307777"/>
+          </a:xfrm>
+          <a:prstGeom prst="rect">
+            <a:avLst/>
+          </a:prstGeom>
+          <a:noFill/>
+        </p:spPr>
+        <p:txBody>
+          <a:bodyPr wrap="none" rtlCol="0">
+            <a:spAutoFit/>
+          </a:bodyPr>
+          <a:lstStyle/>
+          <a:p>
+            <a:r>
+              <a:rPr lang="ko-KR" altLang="en-US" sz="1400" smtClean="0"/>
+              <a:t>간격 수정</a:t>
+            </a:r>
+            <a:endParaRPr lang="ko-KR" altLang="en-US" sz="1400" dirty="0"/>
+          </a:p>
+        </p:txBody>
+      </p:sp>
+      <p:cxnSp>
+        <p:nvCxnSpPr>
+          <p:cNvPr id="13" name="직선 화살표 연결선 12"/>
+          <p:cNvCxnSpPr/>
+          <p:nvPr/>
+        </p:nvCxnSpPr>
+        <p:spPr>
+          <a:xfrm flipH="1">
+            <a:off x="8357016" y="1552968"/>
+            <a:ext cx="1056808" cy="0"/>
+          </a:xfrm>
+          <a:prstGeom prst="straightConnector1">
+            <a:avLst/>
+          </a:prstGeom>
+          <a:ln>
+            <a:tailEnd type="triangle"/>
+          </a:ln>
+        </p:spPr>
+        <p:style>
+          <a:lnRef idx="1">
+            <a:schemeClr val="accent1"/>
+          </a:lnRef>
+          <a:fillRef idx="0">
+            <a:schemeClr val="accent1"/>
+          </a:fillRef>
+          <a:effectRef idx="0">
+            <a:schemeClr val="accent1"/>
+          </a:effectRef>
+          <a:fontRef idx="minor">
+            <a:schemeClr val="tx1"/>
+          </a:fontRef>
+        </p:style>
+      </p:cxnSp>
+      <p:cxnSp>
+        <p:nvCxnSpPr>
+          <p:cNvPr id="14" name="직선 화살표 연결선 13"/>
+          <p:cNvCxnSpPr/>
+          <p:nvPr/>
+        </p:nvCxnSpPr>
+        <p:spPr>
+          <a:xfrm flipH="1">
+            <a:off x="8409482" y="1768669"/>
+            <a:ext cx="959370" cy="2511023"/>
+          </a:xfrm>
+          <a:prstGeom prst="straightConnector1">
+            <a:avLst/>
+          </a:prstGeom>
+          <a:ln>
+            <a:tailEnd type="triangle"/>
+          </a:ln>
+        </p:spPr>
+        <p:style>
+          <a:lnRef idx="1">
+            <a:schemeClr val="accent1"/>
+          </a:lnRef>
+          <a:fillRef idx="0">
+            <a:schemeClr val="accent1"/>
+          </a:fillRef>
+          <a:effectRef idx="0">
+            <a:schemeClr val="accent1"/>
+          </a:effectRef>
+          <a:fontRef idx="minor">
+            <a:schemeClr val="tx1"/>
+          </a:fontRef>
+        </p:style>
+      </p:cxnSp>
+    </p:spTree>
+    <p:extLst>
+      <p:ext uri="{BB962C8B-B14F-4D97-AF65-F5344CB8AC3E}">
+        <p14:creationId xmlns:p14="http://schemas.microsoft.com/office/powerpoint/2010/main" val="4087777213"/>
+      </p:ext>
+    </p:extLst>
+  </p:cSld>
+  <p:clrMapOvr>
+    <a:masterClrMapping/>
+  </p:clrMapOvr>
+</p:sld>
+</file>
+
+<file path=ppt/slides/slide3.xml><?xml version="1.0" encoding="utf-8"?>
+<p:sld xmlns:a="http://schemas.openxmlformats.org/drawingml/2006/main" xmlns:r="http://schemas.openxmlformats.org/officeDocument/2006/relationships" xmlns:p="http://schemas.openxmlformats.org/presentationml/2006/main">
+  <p:cSld>
+    <p:spTree>
+      <p:nvGrpSpPr>
+        <p:cNvPr id="1" name=""/>
+        <p:cNvGrpSpPr/>
+        <p:nvPr/>
+      </p:nvGrpSpPr>
+      <p:grpSpPr>
+        <a:xfrm>
+          <a:off x="0" y="0"/>
+          <a:ext cx="0" cy="0"/>
+          <a:chOff x="0" y="0"/>
+          <a:chExt cx="0" cy="0"/>
+        </a:xfrm>
+      </p:grpSpPr>
+      <p:sp>
+        <p:nvSpPr>
+          <p:cNvPr id="9" name="TextBox 8"/>
+          <p:cNvSpPr txBox="1"/>
+          <p:nvPr/>
+        </p:nvSpPr>
+        <p:spPr>
+          <a:xfrm>
+            <a:off x="412230" y="254832"/>
+            <a:ext cx="646331" cy="369332"/>
+          </a:xfrm>
+          <a:prstGeom prst="rect">
+            <a:avLst/>
+          </a:prstGeom>
+          <a:noFill/>
+        </p:spPr>
+        <p:txBody>
+          <a:bodyPr wrap="none" rtlCol="0">
+            <a:spAutoFit/>
+          </a:bodyPr>
+          <a:lstStyle/>
+          <a:p>
+            <a:r>
+              <a:rPr lang="ko-KR" altLang="en-US" dirty="0" smtClean="0"/>
+              <a:t>공통</a:t>
+            </a:r>
+            <a:endParaRPr lang="ko-KR" altLang="en-US" dirty="0"/>
+          </a:p>
+        </p:txBody>
+      </p:sp>
+      <p:pic>
+        <p:nvPicPr>
+          <p:cNvPr id="4" name="그림 3"/>
+          <p:cNvPicPr>
+            <a:picLocks noChangeAspect="1"/>
+          </p:cNvPicPr>
+          <p:nvPr/>
+        </p:nvPicPr>
+        <p:blipFill>
+          <a:blip r:embed="rId2"/>
+          <a:stretch>
+            <a:fillRect/>
+          </a:stretch>
+        </p:blipFill>
+        <p:spPr>
+          <a:xfrm>
+            <a:off x="533802" y="1282904"/>
+            <a:ext cx="3502114" cy="860689"/>
+          </a:xfrm>
+          <a:prstGeom prst="rect">
+            <a:avLst/>
+          </a:prstGeom>
+        </p:spPr>
+      </p:pic>
+      <p:pic>
+        <p:nvPicPr>
+          <p:cNvPr id="6" name="그림 5"/>
+          <p:cNvPicPr>
+            <a:picLocks noChangeAspect="1"/>
+          </p:cNvPicPr>
+          <p:nvPr/>
+        </p:nvPicPr>
+        <p:blipFill>
+          <a:blip r:embed="rId3"/>
+          <a:stretch>
+            <a:fillRect/>
+          </a:stretch>
+        </p:blipFill>
+        <p:spPr>
+          <a:xfrm>
+            <a:off x="7125656" y="897078"/>
+            <a:ext cx="3264683" cy="1246515"/>
+          </a:xfrm>
+          <a:prstGeom prst="rect">
+            <a:avLst/>
+          </a:prstGeom>
+        </p:spPr>
+      </p:pic>
+      <p:sp>
+        <p:nvSpPr>
+          <p:cNvPr id="15" name="TextBox 14"/>
+          <p:cNvSpPr txBox="1"/>
+          <p:nvPr/>
+        </p:nvSpPr>
+        <p:spPr>
+          <a:xfrm>
+            <a:off x="4740475" y="1282904"/>
+            <a:ext cx="1386918" cy="307777"/>
+          </a:xfrm>
+          <a:prstGeom prst="rect">
+            <a:avLst/>
+          </a:prstGeom>
+          <a:noFill/>
+        </p:spPr>
+        <p:txBody>
+          <a:bodyPr wrap="none" rtlCol="0">
+            <a:spAutoFit/>
+          </a:bodyPr>
+          <a:lstStyle/>
+          <a:p>
+            <a:r>
+              <a:rPr lang="ko-KR" altLang="en-US" sz="1400" dirty="0" smtClean="0"/>
+              <a:t>틀 틀어짐 조정</a:t>
+            </a:r>
+            <a:endParaRPr lang="ko-KR" altLang="en-US" sz="1400" dirty="0"/>
+          </a:p>
+        </p:txBody>
+      </p:sp>
+      <p:cxnSp>
+        <p:nvCxnSpPr>
+          <p:cNvPr id="8" name="직선 화살표 연결선 7"/>
+          <p:cNvCxnSpPr/>
+          <p:nvPr/>
+        </p:nvCxnSpPr>
+        <p:spPr>
+          <a:xfrm>
+            <a:off x="4152275" y="1813810"/>
+            <a:ext cx="2563318" cy="0"/>
+          </a:xfrm>
+          <a:prstGeom prst="straightConnector1">
+            <a:avLst/>
+          </a:prstGeom>
+          <a:ln>
+            <a:tailEnd type="triangle"/>
+          </a:ln>
+        </p:spPr>
+        <p:style>
+          <a:lnRef idx="1">
+            <a:schemeClr val="accent1"/>
+          </a:lnRef>
+          <a:fillRef idx="0">
+            <a:schemeClr val="accent1"/>
+          </a:fillRef>
+          <a:effectRef idx="0">
+            <a:schemeClr val="accent1"/>
+          </a:effectRef>
+          <a:fontRef idx="minor">
+            <a:schemeClr val="tx1"/>
+          </a:fontRef>
+        </p:style>
+      </p:cxnSp>
+      <p:sp>
+        <p:nvSpPr>
+          <p:cNvPr id="16" name="직사각형 15"/>
+          <p:cNvSpPr/>
+          <p:nvPr/>
+        </p:nvSpPr>
+        <p:spPr>
+          <a:xfrm>
+            <a:off x="0" y="6408295"/>
+            <a:ext cx="12192000" cy="449705"/>
+          </a:xfrm>
+          <a:prstGeom prst="rect">
+            <a:avLst/>
+          </a:prstGeom>
+        </p:spPr>
+        <p:style>
+          <a:lnRef idx="2">
+            <a:schemeClr val="accent1">
+              <a:shade val="50000"/>
+            </a:schemeClr>
+          </a:lnRef>
+          <a:fillRef idx="1">
+            <a:schemeClr val="accent1"/>
+          </a:fillRef>
+          <a:effectRef idx="0">
+            <a:schemeClr val="accent1"/>
+          </a:effectRef>
+          <a:fontRef idx="minor">
+            <a:schemeClr val="lt1"/>
+          </a:fontRef>
+        </p:style>
+        <p:txBody>
+          <a:bodyPr rtlCol="0" anchor="ctr"/>
+          <a:lstStyle/>
+          <a:p>
+            <a:pPr algn="ctr"/>
+            <a:r>
+              <a:rPr lang="ko-KR" altLang="en-US" dirty="0" smtClean="0"/>
+              <a:t>아래에 계속</a:t>
+            </a:r>
+            <a:endParaRPr lang="ko-KR" altLang="en-US" dirty="0"/>
+          </a:p>
+        </p:txBody>
+      </p:sp>
+    </p:spTree>
+    <p:extLst>
+      <p:ext uri="{BB962C8B-B14F-4D97-AF65-F5344CB8AC3E}">
+        <p14:creationId xmlns:p14="http://schemas.microsoft.com/office/powerpoint/2010/main" val="3734223196"/>
+      </p:ext>
+    </p:extLst>
+  </p:cSld>
+  <p:clrMapOvr>
+    <a:masterClrMapping/>
+  </p:clrMapOvr>
+</p:sld>
+</file>
+
+<file path=ppt/slides/slide4.xml><?xml version="1.0" encoding="utf-8"?>
+<p:sld xmlns:a="http://schemas.openxmlformats.org/drawingml/2006/main" xmlns:r="http://schemas.openxmlformats.org/officeDocument/2006/relationships" xmlns:p="http://schemas.openxmlformats.org/presentationml/2006/main">
+  <p:cSld>
+    <p:spTree>
+      <p:nvGrpSpPr>
+        <p:cNvPr id="1" name=""/>
+        <p:cNvGrpSpPr/>
+        <p:nvPr/>
+      </p:nvGrpSpPr>
+      <p:grpSpPr>
+        <a:xfrm>
+          <a:off x="0" y="0"/>
+          <a:ext cx="0" cy="0"/>
+          <a:chOff x="0" y="0"/>
+          <a:chExt cx="0" cy="0"/>
+        </a:xfrm>
+      </p:grpSpPr>
+      <p:pic>
+        <p:nvPicPr>
+          <p:cNvPr id="3" name="그림 2"/>
+          <p:cNvPicPr>
+            <a:picLocks noChangeAspect="1"/>
+          </p:cNvPicPr>
+          <p:nvPr/>
+        </p:nvPicPr>
+        <p:blipFill>
+          <a:blip r:embed="rId2"/>
+          <a:stretch>
+            <a:fillRect/>
+          </a:stretch>
+        </p:blipFill>
+        <p:spPr>
+          <a:xfrm>
+            <a:off x="238588" y="749508"/>
+            <a:ext cx="2935982" cy="3515777"/>
+          </a:xfrm>
+          <a:prstGeom prst="rect">
+            <a:avLst/>
+          </a:prstGeom>
+        </p:spPr>
+      </p:pic>
+      <p:pic>
+        <p:nvPicPr>
+          <p:cNvPr id="5" name="그림 4"/>
+          <p:cNvPicPr>
+            <a:picLocks noChangeAspect="1"/>
+          </p:cNvPicPr>
+          <p:nvPr/>
+        </p:nvPicPr>
+        <p:blipFill>
+          <a:blip r:embed="rId3"/>
+          <a:stretch>
+            <a:fillRect/>
+          </a:stretch>
+        </p:blipFill>
+        <p:spPr>
+          <a:xfrm>
+            <a:off x="3409567" y="833188"/>
+            <a:ext cx="4353533" cy="1324160"/>
+          </a:xfrm>
+          <a:prstGeom prst="rect">
+            <a:avLst/>
+          </a:prstGeom>
+        </p:spPr>
+      </p:pic>
+      <p:pic>
+        <p:nvPicPr>
+          <p:cNvPr id="7" name="그림 6"/>
+          <p:cNvPicPr>
+            <a:picLocks noChangeAspect="1"/>
+          </p:cNvPicPr>
+          <p:nvPr/>
+        </p:nvPicPr>
+        <p:blipFill>
+          <a:blip r:embed="rId4"/>
+          <a:stretch>
+            <a:fillRect/>
+          </a:stretch>
+        </p:blipFill>
+        <p:spPr>
+          <a:xfrm>
+            <a:off x="3409567" y="2607704"/>
+            <a:ext cx="4725059" cy="1657581"/>
+          </a:xfrm>
+          <a:prstGeom prst="rect">
+            <a:avLst/>
+          </a:prstGeom>
+        </p:spPr>
+      </p:pic>
+      <p:cxnSp>
+        <p:nvCxnSpPr>
+          <p:cNvPr id="11" name="직선 연결선 10"/>
+          <p:cNvCxnSpPr/>
+          <p:nvPr/>
+        </p:nvCxnSpPr>
+        <p:spPr>
+          <a:xfrm>
+            <a:off x="3770026" y="2968052"/>
+            <a:ext cx="1304144" cy="0"/>
+          </a:xfrm>
+          <a:prstGeom prst="line">
+            <a:avLst/>
+          </a:prstGeom>
+        </p:spPr>
+        <p:style>
+          <a:lnRef idx="3">
+            <a:schemeClr val="accent2"/>
+          </a:lnRef>
+          <a:fillRef idx="0">
+            <a:schemeClr val="accent2"/>
+          </a:fillRef>
+          <a:effectRef idx="2">
+            <a:schemeClr val="accent2"/>
+          </a:effectRef>
+          <a:fontRef idx="minor">
+            <a:schemeClr val="tx1"/>
+          </a:fontRef>
+        </p:style>
+      </p:cxnSp>
+      <p:sp>
+        <p:nvSpPr>
+          <p:cNvPr id="17" name="TextBox 16"/>
+          <p:cNvSpPr txBox="1"/>
+          <p:nvPr/>
+        </p:nvSpPr>
+        <p:spPr>
+          <a:xfrm>
+            <a:off x="3409567" y="4542020"/>
+            <a:ext cx="6000361" cy="307777"/>
+          </a:xfrm>
+          <a:prstGeom prst="rect">
+            <a:avLst/>
+          </a:prstGeom>
+          <a:noFill/>
+        </p:spPr>
+        <p:txBody>
+          <a:bodyPr wrap="none" rtlCol="0">
+            <a:spAutoFit/>
+          </a:bodyPr>
+          <a:lstStyle/>
+          <a:p>
+            <a:r>
+              <a:rPr lang="ko-KR" altLang="en-US" sz="1400" dirty="0" smtClean="0"/>
+              <a:t>틀 간격이 맞이 않는 레이어에 </a:t>
+            </a:r>
+            <a:r>
+              <a:rPr lang="en-US" altLang="ko-KR" sz="1400" dirty="0" smtClean="0"/>
+              <a:t>style=“margin-left: -2rem;” </a:t>
+            </a:r>
+            <a:r>
+              <a:rPr lang="ko-KR" altLang="en-US" sz="1400" dirty="0" smtClean="0"/>
+              <a:t>추가해주세요</a:t>
+            </a:r>
+            <a:r>
+              <a:rPr lang="en-US" altLang="ko-KR" sz="1400" dirty="0" smtClean="0"/>
+              <a:t>.</a:t>
+            </a:r>
+            <a:endParaRPr lang="ko-KR" altLang="en-US" sz="1400" dirty="0"/>
+          </a:p>
+        </p:txBody>
+      </p:sp>
+      <p:cxnSp>
+        <p:nvCxnSpPr>
+          <p:cNvPr id="22" name="직선 화살표 연결선 21"/>
+          <p:cNvCxnSpPr/>
+          <p:nvPr/>
+        </p:nvCxnSpPr>
+        <p:spPr>
+          <a:xfrm>
+            <a:off x="397239" y="4406523"/>
+            <a:ext cx="239843" cy="0"/>
+          </a:xfrm>
+          <a:prstGeom prst="straightConnector1">
+            <a:avLst/>
+          </a:prstGeom>
+          <a:ln>
+            <a:headEnd type="triangle"/>
+            <a:tailEnd type="triangle"/>
+          </a:ln>
+        </p:spPr>
+        <p:style>
+          <a:lnRef idx="1">
+            <a:schemeClr val="accent1"/>
+          </a:lnRef>
+          <a:fillRef idx="0">
+            <a:schemeClr val="accent1"/>
+          </a:fillRef>
+          <a:effectRef idx="0">
+            <a:schemeClr val="accent1"/>
+          </a:effectRef>
+          <a:fontRef idx="minor">
+            <a:schemeClr val="tx1"/>
+          </a:fontRef>
+        </p:style>
+      </p:cxnSp>
+      <p:cxnSp>
+        <p:nvCxnSpPr>
+          <p:cNvPr id="24" name="직선 화살표 연결선 23"/>
+          <p:cNvCxnSpPr/>
+          <p:nvPr/>
+        </p:nvCxnSpPr>
+        <p:spPr>
+          <a:xfrm>
+            <a:off x="4594485" y="1019331"/>
+            <a:ext cx="0" cy="1488065"/>
+          </a:xfrm>
+          <a:prstGeom prst="straightConnector1">
+            <a:avLst/>
+          </a:prstGeom>
+          <a:ln>
+            <a:tailEnd type="triangle"/>
+          </a:ln>
+        </p:spPr>
+        <p:style>
+          <a:lnRef idx="1">
+            <a:schemeClr val="accent1"/>
+          </a:lnRef>
+          <a:fillRef idx="0">
+            <a:schemeClr val="accent1"/>
+          </a:fillRef>
+          <a:effectRef idx="0">
+            <a:schemeClr val="accent1"/>
+          </a:effectRef>
+          <a:fontRef idx="minor">
+            <a:schemeClr val="tx1"/>
+          </a:fontRef>
+        </p:style>
+      </p:cxnSp>
+    </p:spTree>
+    <p:extLst>
+      <p:ext uri="{BB962C8B-B14F-4D97-AF65-F5344CB8AC3E}">
+        <p14:creationId xmlns:p14="http://schemas.microsoft.com/office/powerpoint/2010/main" val="339086478"/>
+      </p:ext>
+    </p:extLst>
+  </p:cSld>
+  <p:clrMapOvr>
+    <a:masterClrMapping/>
+  </p:clrMapOvr>
+</p:sld>
+</file>
+
+<file path=ppt/slides/slide5.xml><?xml version="1.0" encoding="utf-8"?>
+<p:sld xmlns:a="http://schemas.openxmlformats.org/drawingml/2006/main" xmlns:r="http://schemas.openxmlformats.org/officeDocument/2006/relationships" xmlns:p="http://schemas.openxmlformats.org/presentationml/2006/main">
+  <p:cSld>
+    <p:spTree>
+      <p:nvGrpSpPr>
+        <p:cNvPr id="1" name=""/>
+        <p:cNvGrpSpPr/>
+        <p:nvPr/>
+      </p:nvGrpSpPr>
+      <p:grpSpPr>
+        <a:xfrm>
+          <a:off x="0" y="0"/>
+          <a:ext cx="0" cy="0"/>
+          <a:chOff x="0" y="0"/>
+          <a:chExt cx="0" cy="0"/>
+        </a:xfrm>
+      </p:grpSpPr>
+      <p:cxnSp>
+        <p:nvCxnSpPr>
+          <p:cNvPr id="22" name="직선 화살표 연결선 21"/>
+          <p:cNvCxnSpPr/>
+          <p:nvPr/>
+        </p:nvCxnSpPr>
+        <p:spPr>
+          <a:xfrm>
+            <a:off x="607102" y="4166680"/>
+            <a:ext cx="239843" cy="0"/>
+          </a:xfrm>
+          <a:prstGeom prst="straightConnector1">
+            <a:avLst/>
+          </a:prstGeom>
+          <a:ln>
+            <a:headEnd type="triangle"/>
+            <a:tailEnd type="triangle"/>
+          </a:ln>
+        </p:spPr>
+        <p:style>
+          <a:lnRef idx="1">
+            <a:schemeClr val="accent1"/>
+          </a:lnRef>
+          <a:fillRef idx="0">
+            <a:schemeClr val="accent1"/>
+          </a:fillRef>
+          <a:effectRef idx="0">
+            <a:schemeClr val="accent1"/>
+          </a:effectRef>
+          <a:fontRef idx="minor">
+            <a:schemeClr val="tx1"/>
+          </a:fontRef>
+        </p:style>
+      </p:cxnSp>
+      <p:pic>
+        <p:nvPicPr>
+          <p:cNvPr id="2" name="그림 1"/>
+          <p:cNvPicPr>
+            <a:picLocks noChangeAspect="1"/>
+          </p:cNvPicPr>
+          <p:nvPr/>
+        </p:nvPicPr>
+        <p:blipFill>
+          <a:blip r:embed="rId2"/>
+          <a:stretch>
+            <a:fillRect/>
+          </a:stretch>
+        </p:blipFill>
+        <p:spPr>
+          <a:xfrm>
+            <a:off x="374754" y="474210"/>
+            <a:ext cx="4601217" cy="3496163"/>
+          </a:xfrm>
+          <a:prstGeom prst="rect">
+            <a:avLst/>
+          </a:prstGeom>
+        </p:spPr>
+      </p:pic>
+      <p:pic>
+        <p:nvPicPr>
+          <p:cNvPr id="8" name="그림 7"/>
+          <p:cNvPicPr>
+            <a:picLocks noChangeAspect="1"/>
+          </p:cNvPicPr>
+          <p:nvPr/>
+        </p:nvPicPr>
+        <p:blipFill>
+          <a:blip r:embed="rId3"/>
+          <a:stretch>
+            <a:fillRect/>
+          </a:stretch>
+        </p:blipFill>
+        <p:spPr>
+          <a:xfrm>
+            <a:off x="5153904" y="474210"/>
+            <a:ext cx="6411220" cy="685896"/>
+          </a:xfrm>
+          <a:prstGeom prst="rect">
+            <a:avLst/>
+          </a:prstGeom>
+        </p:spPr>
+      </p:pic>
+      <p:pic>
+        <p:nvPicPr>
+          <p:cNvPr id="9" name="그림 8"/>
+          <p:cNvPicPr>
+            <a:picLocks noChangeAspect="1"/>
+          </p:cNvPicPr>
+          <p:nvPr/>
+        </p:nvPicPr>
+        <p:blipFill>
+          <a:blip r:embed="rId4"/>
+          <a:stretch>
+            <a:fillRect/>
+          </a:stretch>
+        </p:blipFill>
+        <p:spPr>
+          <a:xfrm>
+            <a:off x="5153904" y="2222291"/>
+            <a:ext cx="6935168" cy="695422"/>
+          </a:xfrm>
+          <a:prstGeom prst="rect">
+            <a:avLst/>
+          </a:prstGeom>
+        </p:spPr>
+      </p:pic>
+      <p:cxnSp>
+        <p:nvCxnSpPr>
+          <p:cNvPr id="14" name="직선 화살표 연결선 13"/>
+          <p:cNvCxnSpPr/>
+          <p:nvPr/>
+        </p:nvCxnSpPr>
+        <p:spPr>
+          <a:xfrm>
+            <a:off x="6783049" y="726731"/>
+            <a:ext cx="0" cy="1229485"/>
+          </a:xfrm>
+          <a:prstGeom prst="straightConnector1">
+            <a:avLst/>
+          </a:prstGeom>
+          <a:ln>
+            <a:tailEnd type="triangle"/>
+          </a:ln>
+        </p:spPr>
+        <p:style>
+          <a:lnRef idx="1">
+            <a:schemeClr val="accent1"/>
+          </a:lnRef>
+          <a:fillRef idx="0">
+            <a:schemeClr val="accent1"/>
+          </a:fillRef>
+          <a:effectRef idx="0">
+            <a:schemeClr val="accent1"/>
+          </a:effectRef>
+          <a:fontRef idx="minor">
+            <a:schemeClr val="tx1"/>
+          </a:fontRef>
+        </p:style>
+      </p:cxnSp>
+      <p:sp>
+        <p:nvSpPr>
+          <p:cNvPr id="16" name="TextBox 15"/>
+          <p:cNvSpPr txBox="1"/>
+          <p:nvPr/>
+        </p:nvSpPr>
+        <p:spPr>
+          <a:xfrm>
+            <a:off x="5564763" y="3183788"/>
+            <a:ext cx="6000361" cy="307777"/>
+          </a:xfrm>
+          <a:prstGeom prst="rect">
+            <a:avLst/>
+          </a:prstGeom>
+          <a:noFill/>
+        </p:spPr>
+        <p:txBody>
+          <a:bodyPr wrap="none" rtlCol="0">
+            <a:spAutoFit/>
+          </a:bodyPr>
+          <a:lstStyle/>
+          <a:p>
+            <a:r>
+              <a:rPr lang="ko-KR" altLang="en-US" sz="1400" dirty="0" smtClean="0"/>
+              <a:t>틀 간격이 맞이 않는 레이어에 </a:t>
+            </a:r>
+            <a:r>
+              <a:rPr lang="en-US" altLang="ko-KR" sz="1400" dirty="0" smtClean="0"/>
+              <a:t>style=“margin-left: -2rem;” </a:t>
+            </a:r>
+            <a:r>
+              <a:rPr lang="ko-KR" altLang="en-US" sz="1400" dirty="0" smtClean="0"/>
+              <a:t>추가해주세요</a:t>
+            </a:r>
+            <a:r>
+              <a:rPr lang="en-US" altLang="ko-KR" sz="1400" dirty="0" smtClean="0"/>
+              <a:t>.</a:t>
+            </a:r>
+            <a:endParaRPr lang="ko-KR" altLang="en-US" sz="1400" dirty="0"/>
+          </a:p>
+        </p:txBody>
+      </p:sp>
+      <p:cxnSp>
+        <p:nvCxnSpPr>
+          <p:cNvPr id="18" name="직선 연결선 17"/>
+          <p:cNvCxnSpPr/>
+          <p:nvPr/>
+        </p:nvCxnSpPr>
+        <p:spPr>
+          <a:xfrm>
+            <a:off x="10650510" y="2443397"/>
+            <a:ext cx="1304144" cy="0"/>
+          </a:xfrm>
+          <a:prstGeom prst="line">
+            <a:avLst/>
+          </a:prstGeom>
+        </p:spPr>
+        <p:style>
+          <a:lnRef idx="3">
+            <a:schemeClr val="accent2"/>
+          </a:lnRef>
+          <a:fillRef idx="0">
+            <a:schemeClr val="accent2"/>
+          </a:fillRef>
+          <a:effectRef idx="2">
+            <a:schemeClr val="accent2"/>
+          </a:effectRef>
+          <a:fontRef idx="minor">
+            <a:schemeClr val="tx1"/>
+          </a:fontRef>
+        </p:style>
+      </p:cxnSp>
+      <p:pic>
+        <p:nvPicPr>
+          <p:cNvPr id="12" name="그림 11"/>
+          <p:cNvPicPr>
+            <a:picLocks noChangeAspect="1"/>
+          </p:cNvPicPr>
+          <p:nvPr/>
+        </p:nvPicPr>
+        <p:blipFill>
+          <a:blip r:embed="rId5"/>
+          <a:stretch>
+            <a:fillRect/>
+          </a:stretch>
+        </p:blipFill>
+        <p:spPr>
+          <a:xfrm>
+            <a:off x="846945" y="4749266"/>
+            <a:ext cx="4229690" cy="1676634"/>
+          </a:xfrm>
+          <a:prstGeom prst="rect">
+            <a:avLst/>
+          </a:prstGeom>
+        </p:spPr>
+      </p:pic>
+      <p:cxnSp>
+        <p:nvCxnSpPr>
+          <p:cNvPr id="15" name="직선 화살표 연결선 14"/>
+          <p:cNvCxnSpPr/>
+          <p:nvPr/>
+        </p:nvCxnSpPr>
+        <p:spPr>
+          <a:xfrm>
+            <a:off x="1094282" y="817158"/>
+            <a:ext cx="3455233" cy="3837288"/>
+          </a:xfrm>
+          <a:prstGeom prst="straightConnector1">
+            <a:avLst/>
+          </a:prstGeom>
+          <a:ln>
+            <a:tailEnd type="triangle"/>
+          </a:ln>
+        </p:spPr>
+        <p:style>
+          <a:lnRef idx="1">
+            <a:schemeClr val="accent1"/>
+          </a:lnRef>
+          <a:fillRef idx="0">
+            <a:schemeClr val="accent1"/>
+          </a:fillRef>
+          <a:effectRef idx="0">
+            <a:schemeClr val="accent1"/>
+          </a:effectRef>
+          <a:fontRef idx="minor">
+            <a:schemeClr val="tx1"/>
+          </a:fontRef>
+        </p:style>
+      </p:cxnSp>
+      <p:sp>
+        <p:nvSpPr>
+          <p:cNvPr id="21" name="TextBox 20"/>
+          <p:cNvSpPr txBox="1"/>
+          <p:nvPr/>
+        </p:nvSpPr>
+        <p:spPr>
+          <a:xfrm>
+            <a:off x="5341281" y="4940136"/>
+            <a:ext cx="3589444" cy="307777"/>
+          </a:xfrm>
+          <a:prstGeom prst="rect">
+            <a:avLst/>
+          </a:prstGeom>
+          <a:noFill/>
+        </p:spPr>
+        <p:txBody>
+          <a:bodyPr wrap="none" rtlCol="0">
+            <a:spAutoFit/>
+          </a:bodyPr>
+          <a:lstStyle/>
+          <a:p>
+            <a:r>
+              <a:rPr lang="ko-KR" altLang="en-US" sz="1400" dirty="0" smtClean="0"/>
+              <a:t>상단 닫기 부분 수정했는데 확인 해주세요</a:t>
+            </a:r>
+            <a:r>
+              <a:rPr lang="en-US" altLang="ko-KR" sz="1400" dirty="0" smtClean="0"/>
+              <a:t>.</a:t>
+            </a:r>
+            <a:endParaRPr lang="ko-KR" altLang="en-US" sz="1400" dirty="0"/>
+          </a:p>
+        </p:txBody>
+      </p:sp>
+    </p:spTree>
+    <p:extLst>
+      <p:ext uri="{BB962C8B-B14F-4D97-AF65-F5344CB8AC3E}">
+        <p14:creationId xmlns:p14="http://schemas.microsoft.com/office/powerpoint/2010/main" val="1221274713"/>
+      </p:ext>
+    </p:extLst>
+  </p:cSld>
+  <p:clrMapOvr>
+    <a:masterClrMapping/>
+  </p:clrMapOvr>
+</p:sld>
+</file>
+
 <file path=ppt/theme/theme1.xml><?xml version="1.0" encoding="utf-8"?>
 <a:theme xmlns:a="http://schemas.openxmlformats.org/drawingml/2006/main" name="Office 테마">
   <a:themeElements>
